--- a/cai_wang_final_project_presentation.pptx
+++ b/cai_wang_final_project_presentation.pptx
@@ -282,7 +282,7 @@
           <a:p>
             <a:fld id="{BC1C655F-54C7-4D03-AD26-E0C40F01563A}" type="datetimeFigureOut">
               <a:rPr lang="id-ID" smtClean="0"/>
-              <a:t>14/05/19</a:t>
+              <a:t>15/05/19</a:t>
             </a:fld>
             <a:endParaRPr lang="id-ID"/>
           </a:p>
@@ -681,7 +681,7 @@
           <a:p>
             <a:fld id="{14F96FE2-9E77-4834-9C6B-212E1056298F}" type="datetimeFigureOut">
               <a:rPr lang="en-US" smtClean="0"/>
-              <a:t>5/14/19</a:t>
+              <a:t>5/15/19</a:t>
             </a:fld>
             <a:endParaRPr lang="en-US" dirty="0"/>
           </a:p>
@@ -938,7 +938,7 @@
           <a:p>
             <a:fld id="{14F96FE2-9E77-4834-9C6B-212E1056298F}" type="datetimeFigureOut">
               <a:rPr lang="en-US" smtClean="0"/>
-              <a:t>5/14/19</a:t>
+              <a:t>5/15/19</a:t>
             </a:fld>
             <a:endParaRPr lang="en-US" dirty="0"/>
           </a:p>
@@ -1108,7 +1108,7 @@
           <a:p>
             <a:fld id="{14F96FE2-9E77-4834-9C6B-212E1056298F}" type="datetimeFigureOut">
               <a:rPr lang="en-US" smtClean="0"/>
-              <a:t>5/14/19</a:t>
+              <a:t>5/15/19</a:t>
             </a:fld>
             <a:endParaRPr lang="en-US" dirty="0"/>
           </a:p>
@@ -1288,7 +1288,7 @@
           <a:p>
             <a:fld id="{14F96FE2-9E77-4834-9C6B-212E1056298F}" type="datetimeFigureOut">
               <a:rPr lang="en-US" smtClean="0"/>
-              <a:t>5/14/19</a:t>
+              <a:t>5/15/19</a:t>
             </a:fld>
             <a:endParaRPr lang="en-US" dirty="0"/>
           </a:p>
@@ -1458,7 +1458,7 @@
           <a:p>
             <a:fld id="{14F96FE2-9E77-4834-9C6B-212E1056298F}" type="datetimeFigureOut">
               <a:rPr lang="en-US" smtClean="0"/>
-              <a:t>5/14/19</a:t>
+              <a:t>5/15/19</a:t>
             </a:fld>
             <a:endParaRPr lang="en-US" dirty="0"/>
           </a:p>
@@ -1704,7 +1704,7 @@
           <a:p>
             <a:fld id="{14F96FE2-9E77-4834-9C6B-212E1056298F}" type="datetimeFigureOut">
               <a:rPr lang="en-US" smtClean="0"/>
-              <a:t>5/14/19</a:t>
+              <a:t>5/15/19</a:t>
             </a:fld>
             <a:endParaRPr lang="en-US" dirty="0"/>
           </a:p>
@@ -1936,7 +1936,7 @@
           <a:p>
             <a:fld id="{14F96FE2-9E77-4834-9C6B-212E1056298F}" type="datetimeFigureOut">
               <a:rPr lang="en-US" smtClean="0"/>
-              <a:t>5/14/19</a:t>
+              <a:t>5/15/19</a:t>
             </a:fld>
             <a:endParaRPr lang="en-US" dirty="0"/>
           </a:p>
@@ -2303,7 +2303,7 @@
           <a:p>
             <a:fld id="{14F96FE2-9E77-4834-9C6B-212E1056298F}" type="datetimeFigureOut">
               <a:rPr lang="en-US" smtClean="0"/>
-              <a:t>5/14/19</a:t>
+              <a:t>5/15/19</a:t>
             </a:fld>
             <a:endParaRPr lang="en-US" dirty="0"/>
           </a:p>
@@ -2421,7 +2421,7 @@
           <a:p>
             <a:fld id="{14F96FE2-9E77-4834-9C6B-212E1056298F}" type="datetimeFigureOut">
               <a:rPr lang="en-US" smtClean="0"/>
-              <a:t>5/14/19</a:t>
+              <a:t>5/15/19</a:t>
             </a:fld>
             <a:endParaRPr lang="en-US" dirty="0"/>
           </a:p>
@@ -2516,7 +2516,7 @@
           <a:p>
             <a:fld id="{14F96FE2-9E77-4834-9C6B-212E1056298F}" type="datetimeFigureOut">
               <a:rPr lang="en-US" smtClean="0"/>
-              <a:t>5/14/19</a:t>
+              <a:t>5/15/19</a:t>
             </a:fld>
             <a:endParaRPr lang="en-US" dirty="0"/>
           </a:p>
@@ -2819,7 +2819,7 @@
           <a:p>
             <a:fld id="{14F96FE2-9E77-4834-9C6B-212E1056298F}" type="datetimeFigureOut">
               <a:rPr lang="en-US" smtClean="0"/>
-              <a:t>5/14/19</a:t>
+              <a:t>5/15/19</a:t>
             </a:fld>
             <a:endParaRPr lang="en-US" dirty="0"/>
           </a:p>
@@ -3512,7 +3512,7 @@
           <a:p>
             <a:fld id="{14F96FE2-9E77-4834-9C6B-212E1056298F}" type="datetimeFigureOut">
               <a:rPr lang="en-US" smtClean="0"/>
-              <a:t>5/14/19</a:t>
+              <a:t>5/15/19</a:t>
             </a:fld>
             <a:endParaRPr lang="en-US" dirty="0"/>
           </a:p>
@@ -3725,7 +3725,7 @@
           <a:p>
             <a:fld id="{14F96FE2-9E77-4834-9C6B-212E1056298F}" type="datetimeFigureOut">
               <a:rPr lang="en-US" smtClean="0"/>
-              <a:t>5/14/19</a:t>
+              <a:t>5/15/19</a:t>
             </a:fld>
             <a:endParaRPr lang="en-US" dirty="0"/>
           </a:p>
@@ -4977,10 +4977,10 @@
       </p:sp>
       <p:pic>
         <p:nvPicPr>
-          <p:cNvPr id="3" name="Picture 2" descr="A close up of a map&#10;&#10;Description automatically generated">
+          <p:cNvPr id="10" name="Picture 9" descr="A picture containing text, map&#10;&#10;Description automatically generated">
             <a:extLst>
               <a:ext uri="{FF2B5EF4-FFF2-40B4-BE49-F238E27FC236}">
-                <a16:creationId xmlns:a16="http://schemas.microsoft.com/office/drawing/2014/main" id="{50CE46F3-AD14-F147-A2DC-DCA5DE6B3E37}"/>
+                <a16:creationId xmlns:a16="http://schemas.microsoft.com/office/drawing/2014/main" id="{CE91C2F6-B2A3-824D-A5FD-488F0C2B0896}"/>
               </a:ext>
             </a:extLst>
           </p:cNvPr>
@@ -4989,7 +4989,7 @@
           </p:cNvPicPr>
           <p:nvPr/>
         </p:nvPicPr>
-        <p:blipFill rotWithShape="1">
+        <p:blipFill>
           <a:blip r:embed="rId2">
             <a:extLst>
               <a:ext uri="{28A0092B-C50C-407E-A947-70E740481C1C}">
@@ -4997,13 +4997,14 @@
               </a:ext>
             </a:extLst>
           </a:blip>
-          <a:srcRect l="12642" t="33874" r="10420" b="36757"/>
-          <a:stretch/>
+          <a:stretch>
+            <a:fillRect/>
+          </a:stretch>
         </p:blipFill>
         <p:spPr>
           <a:xfrm>
-            <a:off x="24291" y="1105929"/>
-            <a:ext cx="12106436" cy="4621427"/>
+            <a:off x="0" y="990600"/>
+            <a:ext cx="12192000" cy="4876800"/>
           </a:xfrm>
           <a:prstGeom prst="rect">
             <a:avLst/>

--- a/cai_wang_final_project_presentation.pptx
+++ b/cai_wang_final_project_presentation.pptx
@@ -5,14 +5,15 @@
     <p:sldMasterId id="2147483672" r:id="rId1"/>
   </p:sldMasterIdLst>
   <p:notesMasterIdLst>
-    <p:notesMasterId r:id="rId7"/>
+    <p:notesMasterId r:id="rId8"/>
   </p:notesMasterIdLst>
   <p:sldIdLst>
     <p:sldId id="257" r:id="rId2"/>
     <p:sldId id="258" r:id="rId3"/>
-    <p:sldId id="261" r:id="rId4"/>
-    <p:sldId id="259" r:id="rId5"/>
-    <p:sldId id="266" r:id="rId6"/>
+    <p:sldId id="267" r:id="rId4"/>
+    <p:sldId id="261" r:id="rId5"/>
+    <p:sldId id="259" r:id="rId6"/>
+    <p:sldId id="266" r:id="rId7"/>
   </p:sldIdLst>
   <p:sldSz cx="12192000" cy="6858000"/>
   <p:notesSz cx="6858000" cy="9144000"/>
@@ -4923,7 +4924,7 @@
         <p:spPr>
           <a:xfrm>
             <a:off x="11907454" y="6481180"/>
-            <a:ext cx="290464" cy="307777"/>
+            <a:ext cx="276038" cy="307777"/>
           </a:xfrm>
           <a:prstGeom prst="rect">
             <a:avLst/>
@@ -4977,10 +4978,10 @@
       </p:sp>
       <p:pic>
         <p:nvPicPr>
-          <p:cNvPr id="10" name="Picture 9" descr="A picture containing text, map&#10;&#10;Description automatically generated">
+          <p:cNvPr id="3" name="Picture 2" descr="A picture containing text, map&#10;&#10;Description automatically generated">
             <a:extLst>
               <a:ext uri="{FF2B5EF4-FFF2-40B4-BE49-F238E27FC236}">
-                <a16:creationId xmlns:a16="http://schemas.microsoft.com/office/drawing/2014/main" id="{CE91C2F6-B2A3-824D-A5FD-488F0C2B0896}"/>
+                <a16:creationId xmlns:a16="http://schemas.microsoft.com/office/drawing/2014/main" id="{AA068D64-F214-F347-B40E-FAC912B6569D}"/>
               </a:ext>
             </a:extLst>
           </p:cNvPr>
@@ -5003,8 +5004,8 @@
         </p:blipFill>
         <p:spPr>
           <a:xfrm>
-            <a:off x="0" y="990600"/>
-            <a:ext cx="12192000" cy="4876800"/>
+            <a:off x="19355" y="1135545"/>
+            <a:ext cx="12153289" cy="4778238"/>
           </a:xfrm>
           <a:prstGeom prst="rect">
             <a:avLst/>
@@ -5014,7 +5015,7 @@
     </p:spTree>
     <p:extLst>
       <p:ext uri="{BB962C8B-B14F-4D97-AF65-F5344CB8AC3E}">
-        <p14:creationId xmlns:p14="http://schemas.microsoft.com/office/powerpoint/2010/main" val="1519777200"/>
+        <p14:creationId xmlns:p14="http://schemas.microsoft.com/office/powerpoint/2010/main" val="1876230749"/>
       </p:ext>
     </p:extLst>
   </p:cSld>
@@ -5043,7 +5044,7 @@
       </p:grpSpPr>
       <p:sp>
         <p:nvSpPr>
-          <p:cNvPr id="38" name="Freeform 37">
+          <p:cNvPr id="20" name="Freeform 19">
             <a:extLst>
               <a:ext uri="{C183D7F6-B498-43B3-948B-1728B52AA6E4}">
                 <adec:decorative xmlns:adec="http://schemas.microsoft.com/office/drawing/2017/decorative" val="1"/>
@@ -5193,14 +5194,14 @@
       </p:sp>
       <p:sp>
         <p:nvSpPr>
-          <p:cNvPr id="42" name="TextBox 41"/>
+          <p:cNvPr id="21" name="TextBox 20"/>
           <p:cNvSpPr txBox="1"/>
           <p:nvPr/>
         </p:nvSpPr>
         <p:spPr>
           <a:xfrm>
             <a:off x="11907454" y="6481180"/>
-            <a:ext cx="290464" cy="307777"/>
+            <a:ext cx="276038" cy="307777"/>
           </a:xfrm>
           <a:prstGeom prst="rect">
             <a:avLst/>
@@ -5220,6 +5221,283 @@
                 </a:solidFill>
               </a:rPr>
               <a:t>4</a:t>
+            </a:r>
+          </a:p>
+        </p:txBody>
+      </p:sp>
+      <p:sp>
+        <p:nvSpPr>
+          <p:cNvPr id="4" name="Title 3" hidden="1">
+            <a:extLst>
+              <a:ext uri="{FF2B5EF4-FFF2-40B4-BE49-F238E27FC236}">
+                <a16:creationId xmlns:a16="http://schemas.microsoft.com/office/drawing/2014/main" id="{19D7E498-2D9B-4F60-93FF-25DEC5873336}"/>
+              </a:ext>
+            </a:extLst>
+          </p:cNvPr>
+          <p:cNvSpPr>
+            <a:spLocks noGrp="1"/>
+          </p:cNvSpPr>
+          <p:nvPr>
+            <p:ph type="title"/>
+          </p:nvPr>
+        </p:nvSpPr>
+        <p:spPr/>
+        <p:txBody>
+          <a:bodyPr/>
+          <a:lstStyle/>
+          <a:p>
+            <a:r>
+              <a:rPr lang="en-US" dirty="0"/>
+              <a:t>Slide 3</a:t>
+            </a:r>
+          </a:p>
+        </p:txBody>
+      </p:sp>
+      <p:pic>
+        <p:nvPicPr>
+          <p:cNvPr id="10" name="Picture 9" descr="A picture containing text, map&#10;&#10;Description automatically generated">
+            <a:extLst>
+              <a:ext uri="{FF2B5EF4-FFF2-40B4-BE49-F238E27FC236}">
+                <a16:creationId xmlns:a16="http://schemas.microsoft.com/office/drawing/2014/main" id="{CE91C2F6-B2A3-824D-A5FD-488F0C2B0896}"/>
+              </a:ext>
+            </a:extLst>
+          </p:cNvPr>
+          <p:cNvPicPr>
+            <a:picLocks noChangeAspect="1"/>
+          </p:cNvPicPr>
+          <p:nvPr/>
+        </p:nvPicPr>
+        <p:blipFill>
+          <a:blip r:embed="rId2">
+            <a:extLst>
+              <a:ext uri="{28A0092B-C50C-407E-A947-70E740481C1C}">
+                <a14:useLocalDpi xmlns:a14="http://schemas.microsoft.com/office/drawing/2010/main" val="0"/>
+              </a:ext>
+            </a:extLst>
+          </a:blip>
+          <a:stretch>
+            <a:fillRect/>
+          </a:stretch>
+        </p:blipFill>
+        <p:spPr>
+          <a:xfrm>
+            <a:off x="0" y="990600"/>
+            <a:ext cx="12192000" cy="4876800"/>
+          </a:xfrm>
+          <a:prstGeom prst="rect">
+            <a:avLst/>
+          </a:prstGeom>
+        </p:spPr>
+      </p:pic>
+    </p:spTree>
+    <p:extLst>
+      <p:ext uri="{BB962C8B-B14F-4D97-AF65-F5344CB8AC3E}">
+        <p14:creationId xmlns:p14="http://schemas.microsoft.com/office/powerpoint/2010/main" val="1519777200"/>
+      </p:ext>
+    </p:extLst>
+  </p:cSld>
+  <p:clrMapOvr>
+    <a:masterClrMapping/>
+  </p:clrMapOvr>
+</p:sld>
+</file>
+
+<file path=ppt/slides/slide5.xml><?xml version="1.0" encoding="utf-8"?>
+<p:sld xmlns:a="http://schemas.openxmlformats.org/drawingml/2006/main" xmlns:r="http://schemas.openxmlformats.org/officeDocument/2006/relationships" xmlns:p="http://schemas.openxmlformats.org/presentationml/2006/main">
+  <p:cSld>
+    <p:spTree>
+      <p:nvGrpSpPr>
+        <p:cNvPr id="1" name=""/>
+        <p:cNvGrpSpPr/>
+        <p:nvPr/>
+      </p:nvGrpSpPr>
+      <p:grpSpPr>
+        <a:xfrm>
+          <a:off x="0" y="0"/>
+          <a:ext cx="0" cy="0"/>
+          <a:chOff x="0" y="0"/>
+          <a:chExt cx="0" cy="0"/>
+        </a:xfrm>
+      </p:grpSpPr>
+      <p:sp>
+        <p:nvSpPr>
+          <p:cNvPr id="38" name="Freeform 37">
+            <a:extLst>
+              <a:ext uri="{C183D7F6-B498-43B3-948B-1728B52AA6E4}">
+                <adec:decorative xmlns:adec="http://schemas.microsoft.com/office/drawing/2017/decorative" val="1"/>
+              </a:ext>
+            </a:extLst>
+          </p:cNvPr>
+          <p:cNvSpPr/>
+          <p:nvPr/>
+        </p:nvSpPr>
+        <p:spPr>
+          <a:xfrm rot="2700000">
+            <a:off x="11788943" y="6333474"/>
+            <a:ext cx="527486" cy="603188"/>
+          </a:xfrm>
+          <a:custGeom>
+            <a:avLst/>
+            <a:gdLst>
+              <a:gd name="connsiteX0" fmla="*/ 110516 w 889463"/>
+              <a:gd name="connsiteY0" fmla="*/ 95275 h 1017114"/>
+              <a:gd name="connsiteX1" fmla="*/ 230452 w 889463"/>
+              <a:gd name="connsiteY1" fmla="*/ 14411 h 1017114"/>
+              <a:gd name="connsiteX2" fmla="*/ 276877 w 889463"/>
+              <a:gd name="connsiteY2" fmla="*/ 0 h 1017114"/>
+              <a:gd name="connsiteX3" fmla="*/ 889463 w 889463"/>
+              <a:gd name="connsiteY3" fmla="*/ 612585 h 1017114"/>
+              <a:gd name="connsiteX4" fmla="*/ 484934 w 889463"/>
+              <a:gd name="connsiteY4" fmla="*/ 1017114 h 1017114"/>
+              <a:gd name="connsiteX5" fmla="*/ 377324 w 889463"/>
+              <a:gd name="connsiteY5" fmla="*/ 1017114 h 1017114"/>
+              <a:gd name="connsiteX6" fmla="*/ 0 w 889463"/>
+              <a:gd name="connsiteY6" fmla="*/ 639790 h 1017114"/>
+              <a:gd name="connsiteX7" fmla="*/ 0 w 889463"/>
+              <a:gd name="connsiteY7" fmla="*/ 362083 h 1017114"/>
+              <a:gd name="connsiteX8" fmla="*/ 110516 w 889463"/>
+              <a:gd name="connsiteY8" fmla="*/ 95275 h 1017114"/>
+            </a:gdLst>
+            <a:ahLst/>
+            <a:cxnLst>
+              <a:cxn ang="0">
+                <a:pos x="connsiteX0" y="connsiteY0"/>
+              </a:cxn>
+              <a:cxn ang="0">
+                <a:pos x="connsiteX1" y="connsiteY1"/>
+              </a:cxn>
+              <a:cxn ang="0">
+                <a:pos x="connsiteX2" y="connsiteY2"/>
+              </a:cxn>
+              <a:cxn ang="0">
+                <a:pos x="connsiteX3" y="connsiteY3"/>
+              </a:cxn>
+              <a:cxn ang="0">
+                <a:pos x="connsiteX4" y="connsiteY4"/>
+              </a:cxn>
+              <a:cxn ang="0">
+                <a:pos x="connsiteX5" y="connsiteY5"/>
+              </a:cxn>
+              <a:cxn ang="0">
+                <a:pos x="connsiteX6" y="connsiteY6"/>
+              </a:cxn>
+              <a:cxn ang="0">
+                <a:pos x="connsiteX7" y="connsiteY7"/>
+              </a:cxn>
+              <a:cxn ang="0">
+                <a:pos x="connsiteX8" y="connsiteY8"/>
+              </a:cxn>
+            </a:cxnLst>
+            <a:rect l="l" t="t" r="r" b="b"/>
+            <a:pathLst>
+              <a:path w="889463" h="1017114">
+                <a:moveTo>
+                  <a:pt x="110516" y="95275"/>
+                </a:moveTo>
+                <a:cubicBezTo>
+                  <a:pt x="144657" y="61133"/>
+                  <a:pt x="185310" y="33504"/>
+                  <a:pt x="230452" y="14411"/>
+                </a:cubicBezTo>
+                <a:lnTo>
+                  <a:pt x="276877" y="0"/>
+                </a:lnTo>
+                <a:lnTo>
+                  <a:pt x="889463" y="612585"/>
+                </a:lnTo>
+                <a:lnTo>
+                  <a:pt x="484934" y="1017114"/>
+                </a:lnTo>
+                <a:lnTo>
+                  <a:pt x="377324" y="1017114"/>
+                </a:lnTo>
+                <a:cubicBezTo>
+                  <a:pt x="168934" y="1017114"/>
+                  <a:pt x="0" y="848180"/>
+                  <a:pt x="0" y="639790"/>
+                </a:cubicBezTo>
+                <a:lnTo>
+                  <a:pt x="0" y="362083"/>
+                </a:lnTo>
+                <a:cubicBezTo>
+                  <a:pt x="0" y="257888"/>
+                  <a:pt x="42234" y="163556"/>
+                  <a:pt x="110516" y="95275"/>
+                </a:cubicBezTo>
+                <a:close/>
+              </a:path>
+            </a:pathLst>
+          </a:custGeom>
+          <a:solidFill>
+            <a:schemeClr val="tx1">
+              <a:lumMod val="50000"/>
+              <a:lumOff val="50000"/>
+            </a:schemeClr>
+          </a:solidFill>
+          <a:ln>
+            <a:noFill/>
+          </a:ln>
+        </p:spPr>
+        <p:style>
+          <a:lnRef idx="2">
+            <a:schemeClr val="accent1">
+              <a:shade val="50000"/>
+            </a:schemeClr>
+          </a:lnRef>
+          <a:fillRef idx="1">
+            <a:schemeClr val="accent1"/>
+          </a:fillRef>
+          <a:effectRef idx="0">
+            <a:schemeClr val="accent1"/>
+          </a:effectRef>
+          <a:fontRef idx="minor">
+            <a:schemeClr val="lt1"/>
+          </a:fontRef>
+        </p:style>
+        <p:txBody>
+          <a:bodyPr wrap="square" rtlCol="0" anchor="ctr">
+            <a:noAutofit/>
+          </a:bodyPr>
+          <a:lstStyle/>
+          <a:p>
+            <a:pPr algn="ctr"/>
+            <a:endParaRPr lang="en-US" dirty="0">
+              <a:solidFill>
+                <a:srgbClr val="98A3AD"/>
+              </a:solidFill>
+            </a:endParaRPr>
+          </a:p>
+        </p:txBody>
+      </p:sp>
+      <p:sp>
+        <p:nvSpPr>
+          <p:cNvPr id="42" name="TextBox 41"/>
+          <p:cNvSpPr txBox="1"/>
+          <p:nvPr/>
+        </p:nvSpPr>
+        <p:spPr>
+          <a:xfrm>
+            <a:off x="11907454" y="6481180"/>
+            <a:ext cx="276038" cy="307777"/>
+          </a:xfrm>
+          <a:prstGeom prst="rect">
+            <a:avLst/>
+          </a:prstGeom>
+          <a:noFill/>
+        </p:spPr>
+        <p:txBody>
+          <a:bodyPr wrap="none" rtlCol="0">
+            <a:spAutoFit/>
+          </a:bodyPr>
+          <a:lstStyle/>
+          <a:p>
+            <a:r>
+              <a:rPr lang="en-US" sz="1400" b="1" dirty="0">
+                <a:solidFill>
+                  <a:schemeClr val="bg1"/>
+                </a:solidFill>
+              </a:rPr>
+              <a:t>5</a:t>
             </a:r>
           </a:p>
         </p:txBody>
@@ -5301,7 +5579,7 @@
 </p:sld>
 </file>
 
-<file path=ppt/slides/slide5.xml><?xml version="1.0" encoding="utf-8"?>
+<file path=ppt/slides/slide6.xml><?xml version="1.0" encoding="utf-8"?>
 <p:sld xmlns:a="http://schemas.openxmlformats.org/drawingml/2006/main" xmlns:r="http://schemas.openxmlformats.org/officeDocument/2006/relationships" xmlns:p="http://schemas.openxmlformats.org/presentationml/2006/main">
   <p:cSld>
     <p:spTree>

--- a/cai_wang_final_project_presentation.pptx
+++ b/cai_wang_final_project_presentation.pptx
@@ -4978,10 +4978,10 @@
       </p:sp>
       <p:pic>
         <p:nvPicPr>
-          <p:cNvPr id="3" name="Picture 2" descr="A picture containing text, map&#10;&#10;Description automatically generated">
+          <p:cNvPr id="5" name="Picture 4" descr="A picture containing text, map&#10;&#10;Description automatically generated">
             <a:extLst>
               <a:ext uri="{FF2B5EF4-FFF2-40B4-BE49-F238E27FC236}">
-                <a16:creationId xmlns:a16="http://schemas.microsoft.com/office/drawing/2014/main" id="{AA068D64-F214-F347-B40E-FAC912B6569D}"/>
+                <a16:creationId xmlns:a16="http://schemas.microsoft.com/office/drawing/2014/main" id="{CE4A0474-F9A3-3148-91B7-E4B95AE3BFC6}"/>
               </a:ext>
             </a:extLst>
           </p:cNvPr>
@@ -5004,8 +5004,8 @@
         </p:blipFill>
         <p:spPr>
           <a:xfrm>
-            <a:off x="19355" y="1135545"/>
-            <a:ext cx="12153289" cy="4778238"/>
+            <a:off x="-2705" y="1253375"/>
+            <a:ext cx="12186197" cy="4351250"/>
           </a:xfrm>
           <a:prstGeom prst="rect">
             <a:avLst/>
@@ -5255,10 +5255,10 @@
       </p:sp>
       <p:pic>
         <p:nvPicPr>
-          <p:cNvPr id="10" name="Picture 9" descr="A picture containing text, map&#10;&#10;Description automatically generated">
+          <p:cNvPr id="3" name="Picture 2" descr="A picture containing text, map&#10;&#10;Description automatically generated">
             <a:extLst>
               <a:ext uri="{FF2B5EF4-FFF2-40B4-BE49-F238E27FC236}">
-                <a16:creationId xmlns:a16="http://schemas.microsoft.com/office/drawing/2014/main" id="{CE91C2F6-B2A3-824D-A5FD-488F0C2B0896}"/>
+                <a16:creationId xmlns:a16="http://schemas.microsoft.com/office/drawing/2014/main" id="{C79CE49C-4625-7C47-A4D8-858313CA4FF5}"/>
               </a:ext>
             </a:extLst>
           </p:cNvPr>
@@ -5281,8 +5281,8 @@
         </p:blipFill>
         <p:spPr>
           <a:xfrm>
-            <a:off x="0" y="990600"/>
-            <a:ext cx="12192000" cy="4876800"/>
+            <a:off x="8508" y="946366"/>
+            <a:ext cx="12183492" cy="4965267"/>
           </a:xfrm>
           <a:prstGeom prst="rect">
             <a:avLst/>
